--- a/Documents/Greendel_presentation.pptx
+++ b/Documents/Greendel_presentation.pptx
@@ -7,6 +7,14 @@
   <p:sldIdLst>
     <p:sldId id="256" r:id="rId2"/>
     <p:sldId id="257" r:id="rId3"/>
+    <p:sldId id="258" r:id="rId4"/>
+    <p:sldId id="259" r:id="rId5"/>
+    <p:sldId id="260" r:id="rId6"/>
+    <p:sldId id="261" r:id="rId7"/>
+    <p:sldId id="262" r:id="rId8"/>
+    <p:sldId id="263" r:id="rId9"/>
+    <p:sldId id="265" r:id="rId10"/>
+    <p:sldId id="264" r:id="rId11"/>
   </p:sldIdLst>
   <p:sldSz cx="9144000" cy="6858000" type="screen4x3"/>
   <p:notesSz cx="6858000" cy="9144000"/>
@@ -3069,27 +3077,95 @@
               <a:buNone/>
             </a:pPr>
             <a:r>
+              <a:rPr lang="fi-FI" dirty="0" err="1" smtClean="0">
+                <a:solidFill>
+                  <a:schemeClr val="bg1"/>
+                </a:solidFill>
+              </a:rPr>
+              <a:t>Imagine</a:t>
+            </a:r>
+            <a:r>
               <a:rPr lang="fi-FI" dirty="0" smtClean="0">
                 <a:solidFill>
                   <a:schemeClr val="bg1"/>
                 </a:solidFill>
               </a:rPr>
-              <a:t>Hei Kaikki! </a:t>
-            </a:r>
-            <a:br>
+              <a:t> Cup 2011 Presentation</a:t>
+            </a:r>
+          </a:p>
+          <a:p>
+            <a:pPr>
+              <a:buNone/>
+            </a:pPr>
+            <a:endParaRPr lang="fi-FI" dirty="0">
+              <a:solidFill>
+                <a:schemeClr val="bg1"/>
+              </a:solidFill>
+            </a:endParaRPr>
+          </a:p>
+          <a:p>
+            <a:pPr>
+              <a:buNone/>
+            </a:pPr>
+            <a:r>
               <a:rPr lang="fi-FI" dirty="0" smtClean="0">
                 <a:solidFill>
                   <a:schemeClr val="bg1"/>
                 </a:solidFill>
               </a:rPr>
-            </a:br>
+              <a:t>Janne </a:t>
+            </a:r>
+            <a:r>
+              <a:rPr lang="fi-FI" dirty="0" err="1" smtClean="0">
+                <a:solidFill>
+                  <a:schemeClr val="bg1"/>
+                </a:solidFill>
+              </a:rPr>
+              <a:t>Ariluoto</a:t>
+            </a:r>
+            <a:endParaRPr lang="fi-FI" dirty="0" smtClean="0">
+              <a:solidFill>
+                <a:schemeClr val="bg1"/>
+              </a:solidFill>
+            </a:endParaRPr>
+          </a:p>
+          <a:p>
+            <a:pPr>
+              <a:buNone/>
+            </a:pPr>
             <a:r>
               <a:rPr lang="fi-FI" dirty="0" smtClean="0">
                 <a:solidFill>
                   <a:schemeClr val="bg1"/>
                 </a:solidFill>
               </a:rPr>
-              <a:t>TÄSSÄ HIENO SLIDE :D</a:t>
+              <a:t>Harri Johansson</a:t>
+            </a:r>
+          </a:p>
+          <a:p>
+            <a:pPr>
+              <a:buNone/>
+            </a:pPr>
+            <a:r>
+              <a:rPr lang="fi-FI" dirty="0" smtClean="0">
+                <a:solidFill>
+                  <a:schemeClr val="bg1"/>
+                </a:solidFill>
+              </a:rPr>
+              <a:t>Antti Knutas</a:t>
+            </a:r>
+          </a:p>
+          <a:p>
+            <a:pPr>
+              <a:buNone/>
+            </a:pPr>
+            <a:r>
+              <a:rPr lang="fi-FI" dirty="0" smtClean="0">
+                <a:solidFill>
+                  <a:schemeClr val="bg1"/>
+                </a:solidFill>
+              </a:rPr>
+              <a:t>Tommi Kähkönen</a:t>
             </a:r>
             <a:endParaRPr lang="fi-FI" dirty="0">
               <a:solidFill>
@@ -3107,7 +3183,132 @@
   <p:timing>
     <p:tnLst>
       <p:par>
-        <p:cTn id="1" dur="indefinite" restart="never" nodeType="tmRoot"/>
+        <p:cTn xmlns:p14="http://schemas.microsoft.com/office/powerpoint/2010/main" id="1" dur="indefinite" restart="never" nodeType="tmRoot"/>
+      </p:par>
+    </p:tnLst>
+  </p:timing>
+</p:sld>
+</file>
+
+<file path=ppt/slides/slide10.xml><?xml version="1.0" encoding="utf-8"?>
+<p:sld xmlns:a="http://schemas.openxmlformats.org/drawingml/2006/main" xmlns:r="http://schemas.openxmlformats.org/officeDocument/2006/relationships" xmlns:p="http://schemas.openxmlformats.org/presentationml/2006/main">
+  <p:cSld>
+    <p:spTree>
+      <p:nvGrpSpPr>
+        <p:cNvPr id="1" name=""/>
+        <p:cNvGrpSpPr/>
+        <p:nvPr/>
+      </p:nvGrpSpPr>
+      <p:grpSpPr>
+        <a:xfrm>
+          <a:off x="0" y="0"/>
+          <a:ext cx="0" cy="0"/>
+          <a:chOff x="0" y="0"/>
+          <a:chExt cx="0" cy="0"/>
+        </a:xfrm>
+      </p:grpSpPr>
+      <p:sp>
+        <p:nvSpPr>
+          <p:cNvPr id="6" name="Content Placeholder 5"/>
+          <p:cNvSpPr>
+            <a:spLocks noGrp="1"/>
+          </p:cNvSpPr>
+          <p:nvPr>
+            <p:ph idx="1"/>
+          </p:nvPr>
+        </p:nvSpPr>
+        <p:spPr>
+          <a:xfrm>
+            <a:off x="1043608" y="1200150"/>
+            <a:ext cx="6624736" cy="4245073"/>
+          </a:xfrm>
+        </p:spPr>
+        <p:txBody>
+          <a:bodyPr>
+            <a:normAutofit lnSpcReduction="10000"/>
+          </a:bodyPr>
+          <a:lstStyle/>
+          <a:p>
+            <a:pPr marL="0" indent="0">
+              <a:buNone/>
+            </a:pPr>
+            <a:r>
+              <a:rPr lang="en-US" dirty="0" smtClean="0">
+                <a:solidFill>
+                  <a:schemeClr val="bg1"/>
+                </a:solidFill>
+              </a:rPr>
+              <a:t>Conclusions</a:t>
+            </a:r>
+          </a:p>
+          <a:p>
+            <a:r>
+              <a:rPr lang="en-US" dirty="0" smtClean="0">
+                <a:solidFill>
+                  <a:schemeClr val="bg1"/>
+                </a:solidFill>
+              </a:rPr>
+              <a:t>Interest in energy consumption will rise with energy prices</a:t>
+            </a:r>
+          </a:p>
+          <a:p>
+            <a:r>
+              <a:rPr lang="en-US" dirty="0" smtClean="0">
+                <a:solidFill>
+                  <a:schemeClr val="bg1"/>
+                </a:solidFill>
+              </a:rPr>
+              <a:t>People will have to learn to regulate their consumption in the future</a:t>
+            </a:r>
+          </a:p>
+          <a:p>
+            <a:r>
+              <a:rPr lang="en-US" dirty="0" err="1" smtClean="0">
+                <a:solidFill>
+                  <a:schemeClr val="bg1"/>
+                </a:solidFill>
+              </a:rPr>
+              <a:t>Greendel</a:t>
+            </a:r>
+            <a:r>
+              <a:rPr lang="en-US" dirty="0" smtClean="0">
+                <a:solidFill>
+                  <a:schemeClr val="bg1"/>
+                </a:solidFill>
+              </a:rPr>
+              <a:t> is there to provide accurate data to a wide variety of users</a:t>
+            </a:r>
+          </a:p>
+          <a:p>
+            <a:endParaRPr lang="en-US" dirty="0" smtClean="0">
+              <a:solidFill>
+                <a:schemeClr val="bg1"/>
+              </a:solidFill>
+            </a:endParaRPr>
+          </a:p>
+          <a:p>
+            <a:endParaRPr lang="en-US" dirty="0" smtClean="0">
+              <a:solidFill>
+                <a:schemeClr val="bg1"/>
+              </a:solidFill>
+            </a:endParaRPr>
+          </a:p>
+        </p:txBody>
+      </p:sp>
+    </p:spTree>
+    <p:extLst>
+      <p:ext uri="{BB962C8B-B14F-4D97-AF65-F5344CB8AC3E}">
+        <p14:creationId xmlns:p14="http://schemas.microsoft.com/office/powerpoint/2010/main" val="3807466701"/>
+      </p:ext>
+    </p:extLst>
+  </p:cSld>
+  <p:clrMapOvr>
+    <a:masterClrMapping/>
+  </p:clrMapOvr>
+  <p:timing>
+    <p:tnLst>
+      <p:par>
+        <p:cTn xmlns:p14="http://schemas.microsoft.com/office/powerpoint/2010/main" id="1" dur="indefinite" restart="never" nodeType="tmRoot"/>
       </p:par>
     </p:tnLst>
   </p:timing>
@@ -3148,25 +3349,85 @@
           </a:xfrm>
         </p:spPr>
         <p:txBody>
-          <a:bodyPr/>
-          <a:lstStyle/>
-          <a:p>
-            <a:pPr>
+          <a:bodyPr>
+            <a:normAutofit/>
+          </a:bodyPr>
+          <a:lstStyle/>
+          <a:p>
+            <a:pPr marL="0" indent="0">
               <a:buNone/>
             </a:pPr>
             <a:r>
-              <a:rPr lang="fi-FI" dirty="0" smtClean="0">
-                <a:solidFill>
-                  <a:schemeClr val="bg1"/>
-                </a:solidFill>
-              </a:rPr>
-              <a:t>SLIDE2</a:t>
-            </a:r>
-            <a:endParaRPr lang="fi-FI" dirty="0">
+              <a:rPr lang="en-US" dirty="0" smtClean="0">
+                <a:solidFill>
+                  <a:schemeClr val="bg1"/>
+                </a:solidFill>
+              </a:rPr>
+              <a:t>Structure</a:t>
+            </a:r>
+          </a:p>
+          <a:p>
+            <a:r>
+              <a:rPr lang="en-US" dirty="0" smtClean="0">
+                <a:solidFill>
+                  <a:schemeClr val="bg1"/>
+                </a:solidFill>
+              </a:rPr>
+              <a:t>Introduction</a:t>
+            </a:r>
+          </a:p>
+          <a:p>
+            <a:r>
+              <a:rPr lang="en-US" dirty="0" smtClean="0">
+                <a:solidFill>
+                  <a:schemeClr val="bg1"/>
+                </a:solidFill>
+              </a:rPr>
+              <a:t>The Case for </a:t>
+            </a:r>
+            <a:r>
+              <a:rPr lang="en-US" dirty="0" err="1" smtClean="0">
+                <a:solidFill>
+                  <a:schemeClr val="bg1"/>
+                </a:solidFill>
+              </a:rPr>
+              <a:t>Greendel</a:t>
+            </a:r>
+            <a:endParaRPr lang="en-US" dirty="0" smtClean="0">
               <a:solidFill>
                 <a:schemeClr val="bg1"/>
               </a:solidFill>
             </a:endParaRPr>
+          </a:p>
+          <a:p>
+            <a:r>
+              <a:rPr lang="en-US" dirty="0" smtClean="0">
+                <a:solidFill>
+                  <a:schemeClr val="bg1"/>
+                </a:solidFill>
+              </a:rPr>
+              <a:t>Features</a:t>
+            </a:r>
+          </a:p>
+          <a:p>
+            <a:r>
+              <a:rPr lang="en-US" dirty="0" smtClean="0">
+                <a:solidFill>
+                  <a:schemeClr val="bg1"/>
+                </a:solidFill>
+              </a:rPr>
+              <a:t>System Architecture</a:t>
+            </a:r>
+          </a:p>
+          <a:p>
+            <a:r>
+              <a:rPr lang="en-US" dirty="0" smtClean="0">
+                <a:solidFill>
+                  <a:schemeClr val="bg1"/>
+                </a:solidFill>
+              </a:rPr>
+              <a:t>Conclusions</a:t>
+            </a:r>
           </a:p>
         </p:txBody>
       </p:sp>
@@ -3178,7 +3439,945 @@
   <p:timing>
     <p:tnLst>
       <p:par>
-        <p:cTn id="1" dur="indefinite" restart="never" nodeType="tmRoot"/>
+        <p:cTn xmlns:p14="http://schemas.microsoft.com/office/powerpoint/2010/main" id="1" dur="indefinite" restart="never" nodeType="tmRoot"/>
+      </p:par>
+    </p:tnLst>
+  </p:timing>
+</p:sld>
+</file>
+
+<file path=ppt/slides/slide3.xml><?xml version="1.0" encoding="utf-8"?>
+<p:sld xmlns:a="http://schemas.openxmlformats.org/drawingml/2006/main" xmlns:r="http://schemas.openxmlformats.org/officeDocument/2006/relationships" xmlns:p="http://schemas.openxmlformats.org/presentationml/2006/main">
+  <p:cSld>
+    <p:spTree>
+      <p:nvGrpSpPr>
+        <p:cNvPr id="1" name=""/>
+        <p:cNvGrpSpPr/>
+        <p:nvPr/>
+      </p:nvGrpSpPr>
+      <p:grpSpPr>
+        <a:xfrm>
+          <a:off x="0" y="0"/>
+          <a:ext cx="0" cy="0"/>
+          <a:chOff x="0" y="0"/>
+          <a:chExt cx="0" cy="0"/>
+        </a:xfrm>
+      </p:grpSpPr>
+      <p:sp>
+        <p:nvSpPr>
+          <p:cNvPr id="6" name="Content Placeholder 5"/>
+          <p:cNvSpPr>
+            <a:spLocks noGrp="1"/>
+          </p:cNvSpPr>
+          <p:nvPr>
+            <p:ph idx="1"/>
+          </p:nvPr>
+        </p:nvSpPr>
+        <p:spPr>
+          <a:xfrm>
+            <a:off x="1043608" y="1200151"/>
+            <a:ext cx="6624736" cy="3957042"/>
+          </a:xfrm>
+        </p:spPr>
+        <p:txBody>
+          <a:bodyPr/>
+          <a:lstStyle/>
+          <a:p>
+            <a:pPr marL="0" indent="0">
+              <a:buNone/>
+            </a:pPr>
+            <a:r>
+              <a:rPr lang="en-US" dirty="0" smtClean="0">
+                <a:solidFill>
+                  <a:schemeClr val="bg1"/>
+                </a:solidFill>
+              </a:rPr>
+              <a:t>Facts</a:t>
+            </a:r>
+          </a:p>
+          <a:p>
+            <a:r>
+              <a:rPr lang="en-US" dirty="0" smtClean="0">
+                <a:solidFill>
+                  <a:schemeClr val="bg1"/>
+                </a:solidFill>
+              </a:rPr>
+              <a:t>Energy prices will increase</a:t>
+            </a:r>
+          </a:p>
+          <a:p>
+            <a:r>
+              <a:rPr lang="en-US" dirty="0" smtClean="0">
+                <a:solidFill>
+                  <a:schemeClr val="bg1"/>
+                </a:solidFill>
+              </a:rPr>
+              <a:t>People will become more interested in energy consumption</a:t>
+            </a:r>
+          </a:p>
+          <a:p>
+            <a:r>
+              <a:rPr lang="en-US" dirty="0" smtClean="0">
+                <a:solidFill>
+                  <a:schemeClr val="bg1"/>
+                </a:solidFill>
+              </a:rPr>
+              <a:t>High energy prices will interest people in alternatives</a:t>
+            </a:r>
+          </a:p>
+        </p:txBody>
+      </p:sp>
+    </p:spTree>
+    <p:extLst>
+      <p:ext uri="{BB962C8B-B14F-4D97-AF65-F5344CB8AC3E}">
+        <p14:creationId xmlns:p14="http://schemas.microsoft.com/office/powerpoint/2010/main" val="3490691830"/>
+      </p:ext>
+    </p:extLst>
+  </p:cSld>
+  <p:clrMapOvr>
+    <a:masterClrMapping/>
+  </p:clrMapOvr>
+  <p:timing>
+    <p:tnLst>
+      <p:par>
+        <p:cTn xmlns:p14="http://schemas.microsoft.com/office/powerpoint/2010/main" id="1" dur="indefinite" restart="never" nodeType="tmRoot"/>
+      </p:par>
+    </p:tnLst>
+  </p:timing>
+</p:sld>
+</file>
+
+<file path=ppt/slides/slide4.xml><?xml version="1.0" encoding="utf-8"?>
+<p:sld xmlns:a="http://schemas.openxmlformats.org/drawingml/2006/main" xmlns:r="http://schemas.openxmlformats.org/officeDocument/2006/relationships" xmlns:p="http://schemas.openxmlformats.org/presentationml/2006/main">
+  <p:cSld>
+    <p:spTree>
+      <p:nvGrpSpPr>
+        <p:cNvPr id="1" name=""/>
+        <p:cNvGrpSpPr/>
+        <p:nvPr/>
+      </p:nvGrpSpPr>
+      <p:grpSpPr>
+        <a:xfrm>
+          <a:off x="0" y="0"/>
+          <a:ext cx="0" cy="0"/>
+          <a:chOff x="0" y="0"/>
+          <a:chExt cx="0" cy="0"/>
+        </a:xfrm>
+      </p:grpSpPr>
+      <p:sp>
+        <p:nvSpPr>
+          <p:cNvPr id="6" name="Content Placeholder 5"/>
+          <p:cNvSpPr>
+            <a:spLocks noGrp="1"/>
+          </p:cNvSpPr>
+          <p:nvPr>
+            <p:ph idx="1"/>
+          </p:nvPr>
+        </p:nvSpPr>
+        <p:spPr>
+          <a:xfrm>
+            <a:off x="1043608" y="1200150"/>
+            <a:ext cx="6624736" cy="4317081"/>
+          </a:xfrm>
+        </p:spPr>
+        <p:txBody>
+          <a:bodyPr>
+            <a:normAutofit fontScale="92500"/>
+          </a:bodyPr>
+          <a:lstStyle/>
+          <a:p>
+            <a:pPr marL="0" indent="0">
+              <a:buNone/>
+            </a:pPr>
+            <a:r>
+              <a:rPr lang="en-US" dirty="0" smtClean="0">
+                <a:solidFill>
+                  <a:schemeClr val="bg1"/>
+                </a:solidFill>
+              </a:rPr>
+              <a:t>The Vision</a:t>
+            </a:r>
+          </a:p>
+          <a:p>
+            <a:r>
+              <a:rPr lang="en-US" dirty="0" err="1" smtClean="0">
+                <a:solidFill>
+                  <a:schemeClr val="bg1"/>
+                </a:solidFill>
+              </a:rPr>
+              <a:t>Greendel</a:t>
+            </a:r>
+            <a:r>
+              <a:rPr lang="en-US" dirty="0" smtClean="0">
+                <a:solidFill>
+                  <a:schemeClr val="bg1"/>
+                </a:solidFill>
+              </a:rPr>
+              <a:t> is a system that helps people connect their behavior to consumption</a:t>
+            </a:r>
+          </a:p>
+          <a:p>
+            <a:r>
+              <a:rPr lang="en-US" dirty="0" smtClean="0">
+                <a:solidFill>
+                  <a:schemeClr val="bg1"/>
+                </a:solidFill>
+              </a:rPr>
+              <a:t>Cloud-hosted system connects to</a:t>
+            </a:r>
+          </a:p>
+          <a:p>
+            <a:pPr lvl="1"/>
+            <a:r>
+              <a:rPr lang="en-US" dirty="0" smtClean="0">
+                <a:solidFill>
+                  <a:schemeClr val="bg1"/>
+                </a:solidFill>
+              </a:rPr>
+              <a:t>Power meter</a:t>
+            </a:r>
+          </a:p>
+          <a:p>
+            <a:pPr lvl="1"/>
+            <a:r>
+              <a:rPr lang="en-US" dirty="0" smtClean="0">
+                <a:solidFill>
+                  <a:schemeClr val="bg1"/>
+                </a:solidFill>
+              </a:rPr>
+              <a:t>Power generators</a:t>
+            </a:r>
+          </a:p>
+          <a:p>
+            <a:r>
+              <a:rPr lang="en-US" dirty="0" smtClean="0">
+                <a:solidFill>
+                  <a:schemeClr val="bg1"/>
+                </a:solidFill>
+              </a:rPr>
+              <a:t>Provides accurate real-time information</a:t>
+            </a:r>
+          </a:p>
+          <a:p>
+            <a:endParaRPr lang="en-US" dirty="0" smtClean="0">
+              <a:solidFill>
+                <a:schemeClr val="bg1"/>
+              </a:solidFill>
+            </a:endParaRPr>
+          </a:p>
+        </p:txBody>
+      </p:sp>
+    </p:spTree>
+    <p:extLst>
+      <p:ext uri="{BB962C8B-B14F-4D97-AF65-F5344CB8AC3E}">
+        <p14:creationId xmlns:p14="http://schemas.microsoft.com/office/powerpoint/2010/main" val="3114737568"/>
+      </p:ext>
+    </p:extLst>
+  </p:cSld>
+  <p:clrMapOvr>
+    <a:masterClrMapping/>
+  </p:clrMapOvr>
+  <p:timing>
+    <p:tnLst>
+      <p:par>
+        <p:cTn xmlns:p14="http://schemas.microsoft.com/office/powerpoint/2010/main" id="1" dur="indefinite" restart="never" nodeType="tmRoot"/>
+      </p:par>
+    </p:tnLst>
+  </p:timing>
+</p:sld>
+</file>
+
+<file path=ppt/slides/slide5.xml><?xml version="1.0" encoding="utf-8"?>
+<p:sld xmlns:a="http://schemas.openxmlformats.org/drawingml/2006/main" xmlns:r="http://schemas.openxmlformats.org/officeDocument/2006/relationships" xmlns:p="http://schemas.openxmlformats.org/presentationml/2006/main">
+  <p:cSld>
+    <p:spTree>
+      <p:nvGrpSpPr>
+        <p:cNvPr id="1" name=""/>
+        <p:cNvGrpSpPr/>
+        <p:nvPr/>
+      </p:nvGrpSpPr>
+      <p:grpSpPr>
+        <a:xfrm>
+          <a:off x="0" y="0"/>
+          <a:ext cx="0" cy="0"/>
+          <a:chOff x="0" y="0"/>
+          <a:chExt cx="0" cy="0"/>
+        </a:xfrm>
+      </p:grpSpPr>
+      <p:sp>
+        <p:nvSpPr>
+          <p:cNvPr id="6" name="Content Placeholder 5"/>
+          <p:cNvSpPr>
+            <a:spLocks noGrp="1"/>
+          </p:cNvSpPr>
+          <p:nvPr>
+            <p:ph idx="1"/>
+          </p:nvPr>
+        </p:nvSpPr>
+        <p:spPr>
+          <a:xfrm>
+            <a:off x="1043608" y="1200150"/>
+            <a:ext cx="6624736" cy="4317081"/>
+          </a:xfrm>
+        </p:spPr>
+        <p:txBody>
+          <a:bodyPr>
+            <a:normAutofit fontScale="92500"/>
+          </a:bodyPr>
+          <a:lstStyle/>
+          <a:p>
+            <a:pPr marL="0" indent="0">
+              <a:buNone/>
+            </a:pPr>
+            <a:r>
+              <a:rPr lang="en-US" dirty="0" smtClean="0">
+                <a:solidFill>
+                  <a:schemeClr val="bg1"/>
+                </a:solidFill>
+              </a:rPr>
+              <a:t>The Case</a:t>
+            </a:r>
+          </a:p>
+          <a:p>
+            <a:r>
+              <a:rPr lang="en-US" dirty="0" err="1" smtClean="0">
+                <a:solidFill>
+                  <a:schemeClr val="bg1"/>
+                </a:solidFill>
+              </a:rPr>
+              <a:t>Greendel</a:t>
+            </a:r>
+            <a:r>
+              <a:rPr lang="en-US" dirty="0" smtClean="0">
+                <a:solidFill>
+                  <a:schemeClr val="bg1"/>
+                </a:solidFill>
+              </a:rPr>
+              <a:t> is more accurate and feature-rich than other solutions</a:t>
+            </a:r>
+          </a:p>
+          <a:p>
+            <a:r>
+              <a:rPr lang="en-US" dirty="0" smtClean="0">
+                <a:solidFill>
+                  <a:schemeClr val="bg1"/>
+                </a:solidFill>
+              </a:rPr>
+              <a:t>Cloud hosting makes fixed costs small</a:t>
+            </a:r>
+          </a:p>
+          <a:p>
+            <a:r>
+              <a:rPr lang="en-US" dirty="0" smtClean="0">
+                <a:solidFill>
+                  <a:schemeClr val="bg1"/>
+                </a:solidFill>
+              </a:rPr>
+              <a:t>Marketed to</a:t>
+            </a:r>
+          </a:p>
+          <a:p>
+            <a:pPr lvl="1"/>
+            <a:r>
+              <a:rPr lang="en-US" dirty="0" smtClean="0">
+                <a:solidFill>
+                  <a:schemeClr val="bg1"/>
+                </a:solidFill>
+              </a:rPr>
+              <a:t>Energy-conscious homeowners</a:t>
+            </a:r>
+          </a:p>
+          <a:p>
+            <a:pPr lvl="1"/>
+            <a:r>
+              <a:rPr lang="en-US" dirty="0" smtClean="0">
+                <a:solidFill>
+                  <a:schemeClr val="bg1"/>
+                </a:solidFill>
+              </a:rPr>
+              <a:t>Small-scale renewable energy producers</a:t>
+            </a:r>
+          </a:p>
+          <a:p>
+            <a:endParaRPr lang="en-US" dirty="0" smtClean="0">
+              <a:solidFill>
+                <a:schemeClr val="bg1"/>
+              </a:solidFill>
+            </a:endParaRPr>
+          </a:p>
+        </p:txBody>
+      </p:sp>
+    </p:spTree>
+    <p:extLst>
+      <p:ext uri="{BB962C8B-B14F-4D97-AF65-F5344CB8AC3E}">
+        <p14:creationId xmlns:p14="http://schemas.microsoft.com/office/powerpoint/2010/main" val="94589998"/>
+      </p:ext>
+    </p:extLst>
+  </p:cSld>
+  <p:clrMapOvr>
+    <a:masterClrMapping/>
+  </p:clrMapOvr>
+  <p:timing>
+    <p:tnLst>
+      <p:par>
+        <p:cTn xmlns:p14="http://schemas.microsoft.com/office/powerpoint/2010/main" id="1" dur="indefinite" restart="never" nodeType="tmRoot"/>
+      </p:par>
+    </p:tnLst>
+  </p:timing>
+</p:sld>
+</file>
+
+<file path=ppt/slides/slide6.xml><?xml version="1.0" encoding="utf-8"?>
+<p:sld xmlns:a="http://schemas.openxmlformats.org/drawingml/2006/main" xmlns:r="http://schemas.openxmlformats.org/officeDocument/2006/relationships" xmlns:p="http://schemas.openxmlformats.org/presentationml/2006/main">
+  <p:cSld>
+    <p:spTree>
+      <p:nvGrpSpPr>
+        <p:cNvPr id="1" name=""/>
+        <p:cNvGrpSpPr/>
+        <p:nvPr/>
+      </p:nvGrpSpPr>
+      <p:grpSpPr>
+        <a:xfrm>
+          <a:off x="0" y="0"/>
+          <a:ext cx="0" cy="0"/>
+          <a:chOff x="0" y="0"/>
+          <a:chExt cx="0" cy="0"/>
+        </a:xfrm>
+      </p:grpSpPr>
+      <p:sp>
+        <p:nvSpPr>
+          <p:cNvPr id="6" name="Content Placeholder 5"/>
+          <p:cNvSpPr>
+            <a:spLocks noGrp="1"/>
+          </p:cNvSpPr>
+          <p:nvPr>
+            <p:ph idx="1"/>
+          </p:nvPr>
+        </p:nvSpPr>
+        <p:spPr>
+          <a:xfrm>
+            <a:off x="1043608" y="1200150"/>
+            <a:ext cx="6624736" cy="4245073"/>
+          </a:xfrm>
+        </p:spPr>
+        <p:txBody>
+          <a:bodyPr>
+            <a:normAutofit fontScale="85000" lnSpcReduction="20000"/>
+          </a:bodyPr>
+          <a:lstStyle/>
+          <a:p>
+            <a:pPr marL="0" indent="0">
+              <a:buNone/>
+            </a:pPr>
+            <a:r>
+              <a:rPr lang="en-US" dirty="0" smtClean="0">
+                <a:solidFill>
+                  <a:schemeClr val="bg1"/>
+                </a:solidFill>
+              </a:rPr>
+              <a:t>Features</a:t>
+            </a:r>
+          </a:p>
+          <a:p>
+            <a:r>
+              <a:rPr lang="en-US" dirty="0" smtClean="0">
+                <a:solidFill>
+                  <a:schemeClr val="bg1"/>
+                </a:solidFill>
+              </a:rPr>
+              <a:t>Monitor in real time</a:t>
+            </a:r>
+          </a:p>
+          <a:p>
+            <a:pPr lvl="1"/>
+            <a:r>
+              <a:rPr lang="en-US" dirty="0" smtClean="0">
+                <a:solidFill>
+                  <a:schemeClr val="bg1"/>
+                </a:solidFill>
+              </a:rPr>
+              <a:t>Power consumption</a:t>
+            </a:r>
+          </a:p>
+          <a:p>
+            <a:pPr lvl="1"/>
+            <a:r>
+              <a:rPr lang="en-US" dirty="0" smtClean="0">
+                <a:solidFill>
+                  <a:schemeClr val="bg1"/>
+                </a:solidFill>
+              </a:rPr>
+              <a:t>Power production</a:t>
+            </a:r>
+          </a:p>
+          <a:p>
+            <a:pPr lvl="1"/>
+            <a:r>
+              <a:rPr lang="en-US" dirty="0" smtClean="0">
+                <a:solidFill>
+                  <a:schemeClr val="bg1"/>
+                </a:solidFill>
+              </a:rPr>
+              <a:t>Environmental factors</a:t>
+            </a:r>
+          </a:p>
+          <a:p>
+            <a:r>
+              <a:rPr lang="en-US" dirty="0" smtClean="0">
+                <a:solidFill>
+                  <a:schemeClr val="bg1"/>
+                </a:solidFill>
+              </a:rPr>
+              <a:t>Available on the web, desktop and mobile</a:t>
+            </a:r>
+          </a:p>
+          <a:p>
+            <a:r>
+              <a:rPr lang="en-US" dirty="0" smtClean="0">
+                <a:solidFill>
+                  <a:schemeClr val="bg1"/>
+                </a:solidFill>
+              </a:rPr>
+              <a:t>Integrates with social media applications</a:t>
+            </a:r>
+          </a:p>
+          <a:p>
+            <a:r>
+              <a:rPr lang="en-US" dirty="0" smtClean="0">
+                <a:solidFill>
+                  <a:schemeClr val="bg1"/>
+                </a:solidFill>
+              </a:rPr>
+              <a:t>Integration options with remotely readable meters</a:t>
+            </a:r>
+          </a:p>
+          <a:p>
+            <a:r>
+              <a:rPr lang="en-US" dirty="0">
+                <a:solidFill>
+                  <a:schemeClr val="bg1"/>
+                </a:solidFill>
+              </a:rPr>
+              <a:t>Intelligent management of power </a:t>
+            </a:r>
+            <a:r>
+              <a:rPr lang="en-US" dirty="0" smtClean="0">
+                <a:solidFill>
+                  <a:schemeClr val="bg1"/>
+                </a:solidFill>
+              </a:rPr>
+              <a:t>spikes</a:t>
+            </a:r>
+          </a:p>
+          <a:p>
+            <a:endParaRPr lang="en-US" dirty="0" smtClean="0">
+              <a:solidFill>
+                <a:schemeClr val="bg1"/>
+              </a:solidFill>
+            </a:endParaRPr>
+          </a:p>
+        </p:txBody>
+      </p:sp>
+    </p:spTree>
+    <p:extLst>
+      <p:ext uri="{BB962C8B-B14F-4D97-AF65-F5344CB8AC3E}">
+        <p14:creationId xmlns:p14="http://schemas.microsoft.com/office/powerpoint/2010/main" val="1987274877"/>
+      </p:ext>
+    </p:extLst>
+  </p:cSld>
+  <p:clrMapOvr>
+    <a:masterClrMapping/>
+  </p:clrMapOvr>
+  <p:timing>
+    <p:tnLst>
+      <p:par>
+        <p:cTn xmlns:p14="http://schemas.microsoft.com/office/powerpoint/2010/main" id="1" dur="indefinite" restart="never" nodeType="tmRoot"/>
+      </p:par>
+    </p:tnLst>
+  </p:timing>
+</p:sld>
+</file>
+
+<file path=ppt/slides/slide7.xml><?xml version="1.0" encoding="utf-8"?>
+<p:sld xmlns:a="http://schemas.openxmlformats.org/drawingml/2006/main" xmlns:r="http://schemas.openxmlformats.org/officeDocument/2006/relationships" xmlns:p="http://schemas.openxmlformats.org/presentationml/2006/main">
+  <p:cSld>
+    <p:spTree>
+      <p:nvGrpSpPr>
+        <p:cNvPr id="1" name=""/>
+        <p:cNvGrpSpPr/>
+        <p:nvPr/>
+      </p:nvGrpSpPr>
+      <p:grpSpPr>
+        <a:xfrm>
+          <a:off x="0" y="0"/>
+          <a:ext cx="0" cy="0"/>
+          <a:chOff x="0" y="0"/>
+          <a:chExt cx="0" cy="0"/>
+        </a:xfrm>
+      </p:grpSpPr>
+      <p:sp>
+        <p:nvSpPr>
+          <p:cNvPr id="6" name="Content Placeholder 5"/>
+          <p:cNvSpPr>
+            <a:spLocks noGrp="1"/>
+          </p:cNvSpPr>
+          <p:nvPr>
+            <p:ph idx="1"/>
+          </p:nvPr>
+        </p:nvSpPr>
+        <p:spPr>
+          <a:xfrm>
+            <a:off x="1043608" y="1200150"/>
+            <a:ext cx="6624736" cy="4245073"/>
+          </a:xfrm>
+        </p:spPr>
+        <p:txBody>
+          <a:bodyPr>
+            <a:normAutofit/>
+          </a:bodyPr>
+          <a:lstStyle/>
+          <a:p>
+            <a:pPr marL="0" indent="0">
+              <a:buNone/>
+            </a:pPr>
+            <a:r>
+              <a:rPr lang="en-US" dirty="0" smtClean="0">
+                <a:solidFill>
+                  <a:schemeClr val="bg1"/>
+                </a:solidFill>
+              </a:rPr>
+              <a:t>Architecture</a:t>
+            </a:r>
+          </a:p>
+          <a:p>
+            <a:pPr marL="0" indent="0">
+              <a:buNone/>
+            </a:pPr>
+            <a:endParaRPr lang="en-US" dirty="0" smtClean="0">
+              <a:solidFill>
+                <a:schemeClr val="bg1"/>
+              </a:solidFill>
+            </a:endParaRPr>
+          </a:p>
+          <a:p>
+            <a:r>
+              <a:rPr lang="en-US" dirty="0" smtClean="0">
+                <a:solidFill>
+                  <a:schemeClr val="bg1"/>
+                </a:solidFill>
+              </a:rPr>
+              <a:t>Flexible</a:t>
+            </a:r>
+          </a:p>
+          <a:p>
+            <a:r>
+              <a:rPr lang="en-US" dirty="0" smtClean="0">
+                <a:solidFill>
+                  <a:schemeClr val="bg1"/>
+                </a:solidFill>
+              </a:rPr>
+              <a:t>Scalable</a:t>
+            </a:r>
+          </a:p>
+          <a:p>
+            <a:r>
+              <a:rPr lang="en-US" dirty="0" smtClean="0">
+                <a:solidFill>
+                  <a:schemeClr val="bg1"/>
+                </a:solidFill>
+              </a:rPr>
+              <a:t>Interoperable</a:t>
+            </a:r>
+          </a:p>
+          <a:p>
+            <a:endParaRPr lang="en-US" dirty="0" smtClean="0">
+              <a:solidFill>
+                <a:schemeClr val="bg1"/>
+              </a:solidFill>
+            </a:endParaRPr>
+          </a:p>
+          <a:p>
+            <a:endParaRPr lang="en-US" dirty="0" smtClean="0">
+              <a:solidFill>
+                <a:schemeClr val="bg1"/>
+              </a:solidFill>
+            </a:endParaRPr>
+          </a:p>
+        </p:txBody>
+      </p:sp>
+    </p:spTree>
+    <p:extLst>
+      <p:ext uri="{BB962C8B-B14F-4D97-AF65-F5344CB8AC3E}">
+        <p14:creationId xmlns:p14="http://schemas.microsoft.com/office/powerpoint/2010/main" val="4090755875"/>
+      </p:ext>
+    </p:extLst>
+  </p:cSld>
+  <p:clrMapOvr>
+    <a:masterClrMapping/>
+  </p:clrMapOvr>
+  <p:timing>
+    <p:tnLst>
+      <p:par>
+        <p:cTn xmlns:p14="http://schemas.microsoft.com/office/powerpoint/2010/main" id="1" dur="indefinite" restart="never" nodeType="tmRoot"/>
+      </p:par>
+    </p:tnLst>
+  </p:timing>
+</p:sld>
+</file>
+
+<file path=ppt/slides/slide8.xml><?xml version="1.0" encoding="utf-8"?>
+<p:sld xmlns:a="http://schemas.openxmlformats.org/drawingml/2006/main" xmlns:r="http://schemas.openxmlformats.org/officeDocument/2006/relationships" xmlns:p="http://schemas.openxmlformats.org/presentationml/2006/main">
+  <p:cSld>
+    <p:spTree>
+      <p:nvGrpSpPr>
+        <p:cNvPr id="1" name=""/>
+        <p:cNvGrpSpPr/>
+        <p:nvPr/>
+      </p:nvGrpSpPr>
+      <p:grpSpPr>
+        <a:xfrm>
+          <a:off x="0" y="0"/>
+          <a:ext cx="0" cy="0"/>
+          <a:chOff x="0" y="0"/>
+          <a:chExt cx="0" cy="0"/>
+        </a:xfrm>
+      </p:grpSpPr>
+      <p:pic>
+        <p:nvPicPr>
+          <p:cNvPr id="4" name="Picture 3" descr="system_structure.png"/>
+          <p:cNvPicPr>
+            <a:picLocks noChangeAspect="1"/>
+          </p:cNvPicPr>
+          <p:nvPr/>
+        </p:nvPicPr>
+        <p:blipFill>
+          <a:blip r:embed="rId2">
+            <a:extLst>
+              <a:ext uri="{28A0092B-C50C-407E-A947-70E740481C1C}">
+                <a14:useLocalDpi xmlns:a14="http://schemas.microsoft.com/office/drawing/2010/main" val="0"/>
+              </a:ext>
+            </a:extLst>
+          </a:blip>
+          <a:stretch>
+            <a:fillRect/>
+          </a:stretch>
+        </p:blipFill>
+        <p:spPr>
+          <a:xfrm>
+            <a:off x="1043608" y="0"/>
+            <a:ext cx="6696744" cy="6858000"/>
+          </a:xfrm>
+          <a:prstGeom prst="rect">
+            <a:avLst/>
+          </a:prstGeom>
+          <a:solidFill>
+            <a:srgbClr val="FFFFFF">
+              <a:shade val="85000"/>
+            </a:srgbClr>
+          </a:solidFill>
+          <a:ln w="88900" cap="sq">
+            <a:solidFill>
+              <a:srgbClr val="FFFFFF"/>
+            </a:solidFill>
+            <a:miter lim="800000"/>
+          </a:ln>
+          <a:effectLst>
+            <a:outerShdw blurRad="55000" dist="18000" dir="5400000" algn="tl" rotWithShape="0">
+              <a:srgbClr val="000000">
+                <a:alpha val="40000"/>
+              </a:srgbClr>
+            </a:outerShdw>
+          </a:effectLst>
+          <a:scene3d>
+            <a:camera prst="orthographicFront"/>
+            <a:lightRig rig="twoPt" dir="t">
+              <a:rot lat="0" lon="0" rev="7200000"/>
+            </a:lightRig>
+          </a:scene3d>
+          <a:sp3d>
+            <a:bevelT w="25400" h="19050"/>
+            <a:contourClr>
+              <a:srgbClr val="FFFFFF"/>
+            </a:contourClr>
+          </a:sp3d>
+        </p:spPr>
+      </p:pic>
+    </p:spTree>
+    <p:extLst>
+      <p:ext uri="{BB962C8B-B14F-4D97-AF65-F5344CB8AC3E}">
+        <p14:creationId xmlns:p14="http://schemas.microsoft.com/office/powerpoint/2010/main" val="4066901625"/>
+      </p:ext>
+    </p:extLst>
+  </p:cSld>
+  <p:clrMapOvr>
+    <a:masterClrMapping/>
+  </p:clrMapOvr>
+  <p:timing>
+    <p:tnLst>
+      <p:par>
+        <p:cTn xmlns:p14="http://schemas.microsoft.com/office/powerpoint/2010/main" id="1" dur="indefinite" restart="never" nodeType="tmRoot"/>
+      </p:par>
+    </p:tnLst>
+  </p:timing>
+</p:sld>
+</file>
+
+<file path=ppt/slides/slide9.xml><?xml version="1.0" encoding="utf-8"?>
+<p:sld xmlns:a="http://schemas.openxmlformats.org/drawingml/2006/main" xmlns:r="http://schemas.openxmlformats.org/officeDocument/2006/relationships" xmlns:p="http://schemas.openxmlformats.org/presentationml/2006/main">
+  <p:cSld>
+    <p:spTree>
+      <p:nvGrpSpPr>
+        <p:cNvPr id="1" name=""/>
+        <p:cNvGrpSpPr/>
+        <p:nvPr/>
+      </p:nvGrpSpPr>
+      <p:grpSpPr>
+        <a:xfrm>
+          <a:off x="0" y="0"/>
+          <a:ext cx="0" cy="0"/>
+          <a:chOff x="0" y="0"/>
+          <a:chExt cx="0" cy="0"/>
+        </a:xfrm>
+      </p:grpSpPr>
+      <p:sp>
+        <p:nvSpPr>
+          <p:cNvPr id="6" name="Content Placeholder 5"/>
+          <p:cNvSpPr>
+            <a:spLocks noGrp="1"/>
+          </p:cNvSpPr>
+          <p:nvPr>
+            <p:ph idx="1"/>
+          </p:nvPr>
+        </p:nvSpPr>
+        <p:spPr>
+          <a:xfrm>
+            <a:off x="1043608" y="1200150"/>
+            <a:ext cx="6624736" cy="4245073"/>
+          </a:xfrm>
+        </p:spPr>
+        <p:txBody>
+          <a:bodyPr>
+            <a:normAutofit fontScale="92500" lnSpcReduction="10000"/>
+          </a:bodyPr>
+          <a:lstStyle/>
+          <a:p>
+            <a:pPr marL="0" indent="0">
+              <a:buNone/>
+            </a:pPr>
+            <a:r>
+              <a:rPr lang="en-US" dirty="0" smtClean="0">
+                <a:solidFill>
+                  <a:schemeClr val="bg1"/>
+                </a:solidFill>
+              </a:rPr>
+              <a:t>The Latest in Cloud Technologies</a:t>
+            </a:r>
+          </a:p>
+          <a:p>
+            <a:r>
+              <a:rPr lang="en-US" dirty="0" smtClean="0">
+                <a:solidFill>
+                  <a:schemeClr val="bg1"/>
+                </a:solidFill>
+              </a:rPr>
+              <a:t>Microsoft Azure hosting</a:t>
+            </a:r>
+          </a:p>
+          <a:p>
+            <a:r>
+              <a:rPr lang="en-US" dirty="0" err="1" smtClean="0">
+                <a:solidFill>
+                  <a:schemeClr val="bg1"/>
+                </a:solidFill>
+              </a:rPr>
+              <a:t>IronRuby</a:t>
+            </a:r>
+            <a:r>
+              <a:rPr lang="en-US" dirty="0" smtClean="0">
+                <a:solidFill>
+                  <a:schemeClr val="bg1"/>
+                </a:solidFill>
+              </a:rPr>
+              <a:t> on Rails web scripting</a:t>
+            </a:r>
+          </a:p>
+          <a:p>
+            <a:r>
+              <a:rPr lang="en-US" dirty="0" smtClean="0">
+                <a:solidFill>
+                  <a:schemeClr val="bg1"/>
+                </a:solidFill>
+              </a:rPr>
+              <a:t>Plugin-architecture for interacting with remote web services</a:t>
+            </a:r>
+          </a:p>
+          <a:p>
+            <a:r>
+              <a:rPr lang="en-US" dirty="0">
+                <a:solidFill>
+                  <a:schemeClr val="bg1"/>
+                </a:solidFill>
+              </a:rPr>
+              <a:t>Standardized XML </a:t>
+            </a:r>
+            <a:r>
+              <a:rPr lang="en-US" dirty="0" smtClean="0">
+                <a:solidFill>
+                  <a:schemeClr val="bg1"/>
+                </a:solidFill>
+              </a:rPr>
+              <a:t>communications</a:t>
+            </a:r>
+          </a:p>
+          <a:p>
+            <a:pPr lvl="1"/>
+            <a:r>
+              <a:rPr lang="en-US" dirty="0" smtClean="0">
+                <a:solidFill>
+                  <a:schemeClr val="bg1"/>
+                </a:solidFill>
+              </a:rPr>
+              <a:t>Intelligence in the .NET-based cloud</a:t>
+            </a:r>
+          </a:p>
+          <a:p>
+            <a:pPr lvl="1"/>
+            <a:r>
+              <a:rPr lang="en-US" dirty="0" smtClean="0">
+                <a:solidFill>
+                  <a:schemeClr val="bg1"/>
+                </a:solidFill>
+              </a:rPr>
+              <a:t>Windows Mobile 7 Client</a:t>
+            </a:r>
+          </a:p>
+          <a:p>
+            <a:pPr lvl="1"/>
+            <a:r>
+              <a:rPr lang="en-US" dirty="0" smtClean="0">
+                <a:solidFill>
+                  <a:schemeClr val="bg1"/>
+                </a:solidFill>
+              </a:rPr>
+              <a:t>Embedded Linux monitoring platform</a:t>
+            </a:r>
+          </a:p>
+        </p:txBody>
+      </p:sp>
+    </p:spTree>
+    <p:extLst>
+      <p:ext uri="{BB962C8B-B14F-4D97-AF65-F5344CB8AC3E}">
+        <p14:creationId xmlns:p14="http://schemas.microsoft.com/office/powerpoint/2010/main" val="621533617"/>
+      </p:ext>
+    </p:extLst>
+  </p:cSld>
+  <p:clrMapOvr>
+    <a:masterClrMapping/>
+  </p:clrMapOvr>
+  <p:timing>
+    <p:tnLst>
+      <p:par>
+        <p:cTn xmlns:p14="http://schemas.microsoft.com/office/powerpoint/2010/main" id="1" dur="indefinite" restart="never" nodeType="tmRoot"/>
       </p:par>
     </p:tnLst>
   </p:timing>
